--- a/webinar-2021/img/API-perspectives.pptx
+++ b/webinar-2021/img/API-perspectives.pptx
@@ -6,11 +6,10 @@
   </p:sldMasterIdLst>
   <p:sldIdLst>
     <p:sldId id="264" r:id="rId2"/>
-    <p:sldId id="265" r:id="rId3"/>
-    <p:sldId id="266" r:id="rId4"/>
-    <p:sldId id="267" r:id="rId5"/>
-    <p:sldId id="270" r:id="rId6"/>
-    <p:sldId id="269" r:id="rId7"/>
+    <p:sldId id="266" r:id="rId3"/>
+    <p:sldId id="267" r:id="rId4"/>
+    <p:sldId id="270" r:id="rId5"/>
+    <p:sldId id="269" r:id="rId6"/>
   </p:sldIdLst>
   <p:sldSz cx="12192000" cy="6858000"/>
   <p:notesSz cx="6858000" cy="9144000"/>
@@ -3849,876 +3848,6 @@
       </p:grpSpPr>
       <p:sp>
         <p:nvSpPr>
-          <p:cNvPr id="21" name="Rectangle 20">
-            <a:extLst>
-              <a:ext uri="{FF2B5EF4-FFF2-40B4-BE49-F238E27FC236}">
-                <a16:creationId xmlns:a16="http://schemas.microsoft.com/office/drawing/2014/main" id="{30AAA154-4B3C-4145-B06D-033993810601}"/>
-              </a:ext>
-            </a:extLst>
-          </p:cNvPr>
-          <p:cNvSpPr/>
-          <p:nvPr/>
-        </p:nvSpPr>
-        <p:spPr>
-          <a:xfrm>
-            <a:off x="405727" y="2423206"/>
-            <a:ext cx="2509383" cy="313659"/>
-          </a:xfrm>
-          <a:prstGeom prst="rect">
-            <a:avLst/>
-          </a:prstGeom>
-          <a:solidFill>
-            <a:schemeClr val="bg2">
-              <a:lumMod val="50000"/>
-            </a:schemeClr>
-          </a:solidFill>
-        </p:spPr>
-        <p:style>
-          <a:lnRef idx="2">
-            <a:schemeClr val="accent1">
-              <a:shade val="50000"/>
-            </a:schemeClr>
-          </a:lnRef>
-          <a:fillRef idx="1">
-            <a:schemeClr val="accent1"/>
-          </a:fillRef>
-          <a:effectRef idx="0">
-            <a:schemeClr val="accent1"/>
-          </a:effectRef>
-          <a:fontRef idx="minor">
-            <a:schemeClr val="lt1"/>
-          </a:fontRef>
-        </p:style>
-        <p:txBody>
-          <a:bodyPr rtlCol="0" anchor="ctr"/>
-          <a:lstStyle/>
-          <a:p>
-            <a:pPr algn="ctr"/>
-            <a:r>
-              <a:rPr lang="en-US" dirty="0"/>
-              <a:t>Public</a:t>
-            </a:r>
-          </a:p>
-        </p:txBody>
-      </p:sp>
-      <p:sp>
-        <p:nvSpPr>
-          <p:cNvPr id="22" name="Rectangle 21">
-            <a:extLst>
-              <a:ext uri="{FF2B5EF4-FFF2-40B4-BE49-F238E27FC236}">
-                <a16:creationId xmlns:a16="http://schemas.microsoft.com/office/drawing/2014/main" id="{91D54C4F-B4AE-1441-9D56-A2C9E5237445}"/>
-              </a:ext>
-            </a:extLst>
-          </p:cNvPr>
-          <p:cNvSpPr/>
-          <p:nvPr/>
-        </p:nvSpPr>
-        <p:spPr>
-          <a:xfrm>
-            <a:off x="401555" y="2820705"/>
-            <a:ext cx="1160721" cy="313659"/>
-          </a:xfrm>
-          <a:prstGeom prst="rect">
-            <a:avLst/>
-          </a:prstGeom>
-          <a:solidFill>
-            <a:schemeClr val="accent1">
-              <a:lumMod val="75000"/>
-            </a:schemeClr>
-          </a:solidFill>
-        </p:spPr>
-        <p:style>
-          <a:lnRef idx="2">
-            <a:schemeClr val="accent1">
-              <a:shade val="50000"/>
-            </a:schemeClr>
-          </a:lnRef>
-          <a:fillRef idx="1">
-            <a:schemeClr val="accent1"/>
-          </a:fillRef>
-          <a:effectRef idx="0">
-            <a:schemeClr val="accent1"/>
-          </a:effectRef>
-          <a:fontRef idx="minor">
-            <a:schemeClr val="lt1"/>
-          </a:fontRef>
-        </p:style>
-        <p:txBody>
-          <a:bodyPr rtlCol="0" anchor="ctr"/>
-          <a:lstStyle/>
-          <a:p>
-            <a:pPr algn="ctr"/>
-            <a:r>
-              <a:rPr lang="en-US" dirty="0" err="1"/>
-              <a:t>API</a:t>
-            </a:r>
-            <a:r>
-              <a:rPr lang="en-US" baseline="-25000" dirty="0" err="1"/>
-              <a:t>Consumer</a:t>
-            </a:r>
-            <a:endParaRPr lang="en-US" baseline="-25000" dirty="0"/>
-          </a:p>
-        </p:txBody>
-      </p:sp>
-      <p:sp>
-        <p:nvSpPr>
-          <p:cNvPr id="23" name="Rectangle 22">
-            <a:extLst>
-              <a:ext uri="{FF2B5EF4-FFF2-40B4-BE49-F238E27FC236}">
-                <a16:creationId xmlns:a16="http://schemas.microsoft.com/office/drawing/2014/main" id="{A9544A8B-3602-0E41-A6A1-33F7FB5A504A}"/>
-              </a:ext>
-            </a:extLst>
-          </p:cNvPr>
-          <p:cNvSpPr/>
-          <p:nvPr/>
-        </p:nvSpPr>
-        <p:spPr>
-          <a:xfrm>
-            <a:off x="1750601" y="2818808"/>
-            <a:ext cx="1160721" cy="313659"/>
-          </a:xfrm>
-          <a:prstGeom prst="rect">
-            <a:avLst/>
-          </a:prstGeom>
-          <a:solidFill>
-            <a:schemeClr val="accent1">
-              <a:lumMod val="75000"/>
-            </a:schemeClr>
-          </a:solidFill>
-        </p:spPr>
-        <p:style>
-          <a:lnRef idx="2">
-            <a:schemeClr val="accent1">
-              <a:shade val="50000"/>
-            </a:schemeClr>
-          </a:lnRef>
-          <a:fillRef idx="1">
-            <a:schemeClr val="accent1"/>
-          </a:fillRef>
-          <a:effectRef idx="0">
-            <a:schemeClr val="accent1"/>
-          </a:effectRef>
-          <a:fontRef idx="minor">
-            <a:schemeClr val="lt1"/>
-          </a:fontRef>
-        </p:style>
-        <p:txBody>
-          <a:bodyPr rtlCol="0" anchor="ctr"/>
-          <a:lstStyle/>
-          <a:p>
-            <a:pPr algn="ctr"/>
-            <a:r>
-              <a:rPr lang="en-US" dirty="0" err="1"/>
-              <a:t>API</a:t>
-            </a:r>
-            <a:r>
-              <a:rPr lang="en-US" baseline="-25000" dirty="0" err="1"/>
-              <a:t>Consumer</a:t>
-            </a:r>
-            <a:endParaRPr lang="en-US" dirty="0"/>
-          </a:p>
-        </p:txBody>
-      </p:sp>
-      <p:sp>
-        <p:nvSpPr>
-          <p:cNvPr id="27" name="Rectangle 26">
-            <a:extLst>
-              <a:ext uri="{FF2B5EF4-FFF2-40B4-BE49-F238E27FC236}">
-                <a16:creationId xmlns:a16="http://schemas.microsoft.com/office/drawing/2014/main" id="{0F53DE16-57F1-5447-AF48-58E549A0B20F}"/>
-              </a:ext>
-            </a:extLst>
-          </p:cNvPr>
-          <p:cNvSpPr/>
-          <p:nvPr/>
-        </p:nvSpPr>
-        <p:spPr>
-          <a:xfrm>
-            <a:off x="6077540" y="2423205"/>
-            <a:ext cx="2509218" cy="313659"/>
-          </a:xfrm>
-          <a:prstGeom prst="rect">
-            <a:avLst/>
-          </a:prstGeom>
-          <a:solidFill>
-            <a:schemeClr val="bg2">
-              <a:lumMod val="50000"/>
-            </a:schemeClr>
-          </a:solidFill>
-        </p:spPr>
-        <p:style>
-          <a:lnRef idx="2">
-            <a:schemeClr val="accent1">
-              <a:shade val="50000"/>
-            </a:schemeClr>
-          </a:lnRef>
-          <a:fillRef idx="1">
-            <a:schemeClr val="accent1"/>
-          </a:fillRef>
-          <a:effectRef idx="0">
-            <a:schemeClr val="accent1"/>
-          </a:effectRef>
-          <a:fontRef idx="minor">
-            <a:schemeClr val="lt1"/>
-          </a:fontRef>
-        </p:style>
-        <p:txBody>
-          <a:bodyPr rtlCol="0" anchor="ctr"/>
-          <a:lstStyle/>
-          <a:p>
-            <a:pPr algn="ctr"/>
-            <a:r>
-              <a:rPr lang="en-US" dirty="0"/>
-              <a:t>Private</a:t>
-            </a:r>
-          </a:p>
-        </p:txBody>
-      </p:sp>
-      <p:sp>
-        <p:nvSpPr>
-          <p:cNvPr id="28" name="Rectangle 27">
-            <a:extLst>
-              <a:ext uri="{FF2B5EF4-FFF2-40B4-BE49-F238E27FC236}">
-                <a16:creationId xmlns:a16="http://schemas.microsoft.com/office/drawing/2014/main" id="{11357D2E-026C-5A4F-A590-9C6164108CD6}"/>
-              </a:ext>
-            </a:extLst>
-          </p:cNvPr>
-          <p:cNvSpPr/>
-          <p:nvPr/>
-        </p:nvSpPr>
-        <p:spPr>
-          <a:xfrm>
-            <a:off x="6077904" y="2818807"/>
-            <a:ext cx="1160721" cy="313659"/>
-          </a:xfrm>
-          <a:prstGeom prst="rect">
-            <a:avLst/>
-          </a:prstGeom>
-          <a:solidFill>
-            <a:schemeClr val="accent1">
-              <a:lumMod val="75000"/>
-            </a:schemeClr>
-          </a:solidFill>
-        </p:spPr>
-        <p:style>
-          <a:lnRef idx="2">
-            <a:schemeClr val="accent1">
-              <a:shade val="50000"/>
-            </a:schemeClr>
-          </a:lnRef>
-          <a:fillRef idx="1">
-            <a:schemeClr val="accent1"/>
-          </a:fillRef>
-          <a:effectRef idx="0">
-            <a:schemeClr val="accent1"/>
-          </a:effectRef>
-          <a:fontRef idx="minor">
-            <a:schemeClr val="lt1"/>
-          </a:fontRef>
-        </p:style>
-        <p:txBody>
-          <a:bodyPr rtlCol="0" anchor="ctr"/>
-          <a:lstStyle/>
-          <a:p>
-            <a:pPr algn="ctr"/>
-            <a:r>
-              <a:rPr lang="en-US" dirty="0" err="1"/>
-              <a:t>API</a:t>
-            </a:r>
-            <a:r>
-              <a:rPr lang="en-US" baseline="-25000" dirty="0" err="1"/>
-              <a:t>Consumer</a:t>
-            </a:r>
-            <a:endParaRPr lang="en-US" dirty="0"/>
-          </a:p>
-        </p:txBody>
-      </p:sp>
-      <p:sp>
-        <p:nvSpPr>
-          <p:cNvPr id="29" name="Rectangle 28">
-            <a:extLst>
-              <a:ext uri="{FF2B5EF4-FFF2-40B4-BE49-F238E27FC236}">
-                <a16:creationId xmlns:a16="http://schemas.microsoft.com/office/drawing/2014/main" id="{3D2D7876-F859-4B41-AC06-AA012FEBC794}"/>
-              </a:ext>
-            </a:extLst>
-          </p:cNvPr>
-          <p:cNvSpPr/>
-          <p:nvPr/>
-        </p:nvSpPr>
-        <p:spPr>
-          <a:xfrm>
-            <a:off x="7416942" y="2818806"/>
-            <a:ext cx="1160721" cy="313659"/>
-          </a:xfrm>
-          <a:prstGeom prst="rect">
-            <a:avLst/>
-          </a:prstGeom>
-          <a:solidFill>
-            <a:schemeClr val="accent1">
-              <a:lumMod val="75000"/>
-            </a:schemeClr>
-          </a:solidFill>
-        </p:spPr>
-        <p:style>
-          <a:lnRef idx="2">
-            <a:schemeClr val="accent1">
-              <a:shade val="50000"/>
-            </a:schemeClr>
-          </a:lnRef>
-          <a:fillRef idx="1">
-            <a:schemeClr val="accent1"/>
-          </a:fillRef>
-          <a:effectRef idx="0">
-            <a:schemeClr val="accent1"/>
-          </a:effectRef>
-          <a:fontRef idx="minor">
-            <a:schemeClr val="lt1"/>
-          </a:fontRef>
-        </p:style>
-        <p:txBody>
-          <a:bodyPr rtlCol="0" anchor="ctr"/>
-          <a:lstStyle/>
-          <a:p>
-            <a:pPr algn="ctr"/>
-            <a:r>
-              <a:rPr lang="en-US" dirty="0" err="1"/>
-              <a:t>API</a:t>
-            </a:r>
-            <a:r>
-              <a:rPr lang="en-US" baseline="-25000" dirty="0" err="1"/>
-              <a:t>Consumer</a:t>
-            </a:r>
-            <a:endParaRPr lang="en-US" dirty="0"/>
-          </a:p>
-        </p:txBody>
-      </p:sp>
-      <p:sp>
-        <p:nvSpPr>
-          <p:cNvPr id="30" name="Rectangle 29">
-            <a:extLst>
-              <a:ext uri="{FF2B5EF4-FFF2-40B4-BE49-F238E27FC236}">
-                <a16:creationId xmlns:a16="http://schemas.microsoft.com/office/drawing/2014/main" id="{81D340E0-C542-7844-8F2A-89F54621D2F8}"/>
-              </a:ext>
-            </a:extLst>
-          </p:cNvPr>
-          <p:cNvSpPr/>
-          <p:nvPr/>
-        </p:nvSpPr>
-        <p:spPr>
-          <a:xfrm>
-            <a:off x="3295533" y="2426917"/>
-            <a:ext cx="2504004" cy="313659"/>
-          </a:xfrm>
-          <a:prstGeom prst="rect">
-            <a:avLst/>
-          </a:prstGeom>
-          <a:solidFill>
-            <a:schemeClr val="bg2">
-              <a:lumMod val="50000"/>
-            </a:schemeClr>
-          </a:solidFill>
-        </p:spPr>
-        <p:style>
-          <a:lnRef idx="2">
-            <a:schemeClr val="accent1">
-              <a:shade val="50000"/>
-            </a:schemeClr>
-          </a:lnRef>
-          <a:fillRef idx="1">
-            <a:schemeClr val="accent1"/>
-          </a:fillRef>
-          <a:effectRef idx="0">
-            <a:schemeClr val="accent1"/>
-          </a:effectRef>
-          <a:fontRef idx="minor">
-            <a:schemeClr val="lt1"/>
-          </a:fontRef>
-        </p:style>
-        <p:txBody>
-          <a:bodyPr rtlCol="0" anchor="ctr"/>
-          <a:lstStyle/>
-          <a:p>
-            <a:pPr algn="ctr"/>
-            <a:r>
-              <a:rPr lang="en-US" dirty="0"/>
-              <a:t>Partner</a:t>
-            </a:r>
-          </a:p>
-        </p:txBody>
-      </p:sp>
-      <p:sp>
-        <p:nvSpPr>
-          <p:cNvPr id="31" name="Rectangle 30">
-            <a:extLst>
-              <a:ext uri="{FF2B5EF4-FFF2-40B4-BE49-F238E27FC236}">
-                <a16:creationId xmlns:a16="http://schemas.microsoft.com/office/drawing/2014/main" id="{72AE3F21-17F0-A244-BB5C-D3EACB6ACB5B}"/>
-              </a:ext>
-            </a:extLst>
-          </p:cNvPr>
-          <p:cNvSpPr/>
-          <p:nvPr/>
-        </p:nvSpPr>
-        <p:spPr>
-          <a:xfrm>
-            <a:off x="3289598" y="2818808"/>
-            <a:ext cx="1160721" cy="313659"/>
-          </a:xfrm>
-          <a:prstGeom prst="rect">
-            <a:avLst/>
-          </a:prstGeom>
-          <a:solidFill>
-            <a:schemeClr val="accent1">
-              <a:lumMod val="75000"/>
-            </a:schemeClr>
-          </a:solidFill>
-        </p:spPr>
-        <p:style>
-          <a:lnRef idx="2">
-            <a:schemeClr val="accent1">
-              <a:shade val="50000"/>
-            </a:schemeClr>
-          </a:lnRef>
-          <a:fillRef idx="1">
-            <a:schemeClr val="accent1"/>
-          </a:fillRef>
-          <a:effectRef idx="0">
-            <a:schemeClr val="accent1"/>
-          </a:effectRef>
-          <a:fontRef idx="minor">
-            <a:schemeClr val="lt1"/>
-          </a:fontRef>
-        </p:style>
-        <p:txBody>
-          <a:bodyPr rtlCol="0" anchor="ctr"/>
-          <a:lstStyle/>
-          <a:p>
-            <a:pPr algn="ctr"/>
-            <a:r>
-              <a:rPr lang="en-US" dirty="0" err="1"/>
-              <a:t>API</a:t>
-            </a:r>
-            <a:r>
-              <a:rPr lang="en-US" baseline="-25000" dirty="0" err="1"/>
-              <a:t>Consumer</a:t>
-            </a:r>
-            <a:endParaRPr lang="en-US" dirty="0"/>
-          </a:p>
-        </p:txBody>
-      </p:sp>
-      <p:pic>
-        <p:nvPicPr>
-          <p:cNvPr id="36" name="Picture 35">
-            <a:extLst>
-              <a:ext uri="{FF2B5EF4-FFF2-40B4-BE49-F238E27FC236}">
-                <a16:creationId xmlns:a16="http://schemas.microsoft.com/office/drawing/2014/main" id="{8CE50BD2-6E7B-7B4F-8E87-4CB638D1D11F}"/>
-              </a:ext>
-            </a:extLst>
-          </p:cNvPr>
-          <p:cNvPicPr>
-            <a:picLocks noChangeAspect="1"/>
-          </p:cNvPicPr>
-          <p:nvPr/>
-        </p:nvPicPr>
-        <p:blipFill>
-          <a:blip r:embed="rId2"/>
-          <a:stretch>
-            <a:fillRect/>
-          </a:stretch>
-        </p:blipFill>
-        <p:spPr>
-          <a:xfrm>
-            <a:off x="600267" y="1164119"/>
-            <a:ext cx="2117019" cy="1057678"/>
-          </a:xfrm>
-          <a:prstGeom prst="rect">
-            <a:avLst/>
-          </a:prstGeom>
-        </p:spPr>
-      </p:pic>
-      <p:sp>
-        <p:nvSpPr>
-          <p:cNvPr id="37" name="Rectangle 36">
-            <a:extLst>
-              <a:ext uri="{FF2B5EF4-FFF2-40B4-BE49-F238E27FC236}">
-                <a16:creationId xmlns:a16="http://schemas.microsoft.com/office/drawing/2014/main" id="{099B1A48-E68A-3248-8C80-588CD976059C}"/>
-              </a:ext>
-            </a:extLst>
-          </p:cNvPr>
-          <p:cNvSpPr/>
-          <p:nvPr/>
-        </p:nvSpPr>
-        <p:spPr>
-          <a:xfrm>
-            <a:off x="4640472" y="2820705"/>
-            <a:ext cx="1160721" cy="313659"/>
-          </a:xfrm>
-          <a:prstGeom prst="rect">
-            <a:avLst/>
-          </a:prstGeom>
-          <a:solidFill>
-            <a:schemeClr val="accent1">
-              <a:lumMod val="75000"/>
-            </a:schemeClr>
-          </a:solidFill>
-        </p:spPr>
-        <p:style>
-          <a:lnRef idx="2">
-            <a:schemeClr val="accent1">
-              <a:shade val="50000"/>
-            </a:schemeClr>
-          </a:lnRef>
-          <a:fillRef idx="1">
-            <a:schemeClr val="accent1"/>
-          </a:fillRef>
-          <a:effectRef idx="0">
-            <a:schemeClr val="accent1"/>
-          </a:effectRef>
-          <a:fontRef idx="minor">
-            <a:schemeClr val="lt1"/>
-          </a:fontRef>
-        </p:style>
-        <p:txBody>
-          <a:bodyPr rtlCol="0" anchor="ctr"/>
-          <a:lstStyle/>
-          <a:p>
-            <a:pPr algn="ctr"/>
-            <a:r>
-              <a:rPr lang="en-US" dirty="0" err="1"/>
-              <a:t>API</a:t>
-            </a:r>
-            <a:r>
-              <a:rPr lang="en-US" baseline="-25000" dirty="0" err="1"/>
-              <a:t>Consumer</a:t>
-            </a:r>
-            <a:endParaRPr lang="en-US" dirty="0"/>
-          </a:p>
-        </p:txBody>
-      </p:sp>
-      <p:pic>
-        <p:nvPicPr>
-          <p:cNvPr id="38" name="Picture 37">
-            <a:extLst>
-              <a:ext uri="{FF2B5EF4-FFF2-40B4-BE49-F238E27FC236}">
-                <a16:creationId xmlns:a16="http://schemas.microsoft.com/office/drawing/2014/main" id="{08CA0A6F-FAFC-654A-965E-FAB9D5D8C8E2}"/>
-              </a:ext>
-            </a:extLst>
-          </p:cNvPr>
-          <p:cNvPicPr>
-            <a:picLocks noChangeAspect="1"/>
-          </p:cNvPicPr>
-          <p:nvPr/>
-        </p:nvPicPr>
-        <p:blipFill>
-          <a:blip r:embed="rId2"/>
-          <a:stretch>
-            <a:fillRect/>
-          </a:stretch>
-        </p:blipFill>
-        <p:spPr>
-          <a:xfrm>
-            <a:off x="3393956" y="1164119"/>
-            <a:ext cx="2117019" cy="1057678"/>
-          </a:xfrm>
-          <a:prstGeom prst="rect">
-            <a:avLst/>
-          </a:prstGeom>
-        </p:spPr>
-      </p:pic>
-      <p:pic>
-        <p:nvPicPr>
-          <p:cNvPr id="39" name="Picture 38">
-            <a:extLst>
-              <a:ext uri="{FF2B5EF4-FFF2-40B4-BE49-F238E27FC236}">
-                <a16:creationId xmlns:a16="http://schemas.microsoft.com/office/drawing/2014/main" id="{9970A51D-DD21-C54D-B14B-EA3551418690}"/>
-              </a:ext>
-            </a:extLst>
-          </p:cNvPr>
-          <p:cNvPicPr>
-            <a:picLocks noChangeAspect="1"/>
-          </p:cNvPicPr>
-          <p:nvPr/>
-        </p:nvPicPr>
-        <p:blipFill>
-          <a:blip r:embed="rId2"/>
-          <a:stretch>
-            <a:fillRect/>
-          </a:stretch>
-        </p:blipFill>
-        <p:spPr>
-          <a:xfrm>
-            <a:off x="6162057" y="1164119"/>
-            <a:ext cx="2117019" cy="1057678"/>
-          </a:xfrm>
-          <a:prstGeom prst="rect">
-            <a:avLst/>
-          </a:prstGeom>
-        </p:spPr>
-      </p:pic>
-      <p:sp>
-        <p:nvSpPr>
-          <p:cNvPr id="3" name="Right Triangle 2">
-            <a:extLst>
-              <a:ext uri="{FF2B5EF4-FFF2-40B4-BE49-F238E27FC236}">
-                <a16:creationId xmlns:a16="http://schemas.microsoft.com/office/drawing/2014/main" id="{D4537CC1-FADE-3945-B902-62E50A1697BA}"/>
-              </a:ext>
-            </a:extLst>
-          </p:cNvPr>
-          <p:cNvSpPr/>
-          <p:nvPr/>
-        </p:nvSpPr>
-        <p:spPr>
-          <a:xfrm>
-            <a:off x="3283328" y="575244"/>
-            <a:ext cx="2516209" cy="417419"/>
-          </a:xfrm>
-          <a:prstGeom prst="rtTriangle">
-            <a:avLst/>
-          </a:prstGeom>
-          <a:solidFill>
-            <a:schemeClr val="bg2">
-              <a:lumMod val="90000"/>
-            </a:schemeClr>
-          </a:solidFill>
-          <a:ln>
-            <a:noFill/>
-          </a:ln>
-        </p:spPr>
-        <p:style>
-          <a:lnRef idx="2">
-            <a:schemeClr val="accent1">
-              <a:shade val="50000"/>
-            </a:schemeClr>
-          </a:lnRef>
-          <a:fillRef idx="1">
-            <a:schemeClr val="accent1"/>
-          </a:fillRef>
-          <a:effectRef idx="0">
-            <a:schemeClr val="accent1"/>
-          </a:effectRef>
-          <a:fontRef idx="minor">
-            <a:schemeClr val="lt1"/>
-          </a:fontRef>
-        </p:style>
-        <p:txBody>
-          <a:bodyPr rtlCol="0" anchor="ctr"/>
-          <a:lstStyle/>
-          <a:p>
-            <a:pPr algn="ctr"/>
-            <a:endParaRPr lang="en-US"/>
-          </a:p>
-        </p:txBody>
-      </p:sp>
-      <p:sp>
-        <p:nvSpPr>
-          <p:cNvPr id="6" name="Rectangle 5">
-            <a:extLst>
-              <a:ext uri="{FF2B5EF4-FFF2-40B4-BE49-F238E27FC236}">
-                <a16:creationId xmlns:a16="http://schemas.microsoft.com/office/drawing/2014/main" id="{93E13A60-AC21-A440-B893-8A7EEB6A5750}"/>
-              </a:ext>
-            </a:extLst>
-          </p:cNvPr>
-          <p:cNvSpPr/>
-          <p:nvPr/>
-        </p:nvSpPr>
-        <p:spPr>
-          <a:xfrm>
-            <a:off x="401555" y="575244"/>
-            <a:ext cx="2881772" cy="420165"/>
-          </a:xfrm>
-          <a:prstGeom prst="rect">
-            <a:avLst/>
-          </a:prstGeom>
-          <a:solidFill>
-            <a:schemeClr val="bg2">
-              <a:lumMod val="90000"/>
-            </a:schemeClr>
-          </a:solidFill>
-          <a:ln>
-            <a:noFill/>
-          </a:ln>
-        </p:spPr>
-        <p:style>
-          <a:lnRef idx="2">
-            <a:schemeClr val="accent1">
-              <a:shade val="50000"/>
-            </a:schemeClr>
-          </a:lnRef>
-          <a:fillRef idx="1">
-            <a:schemeClr val="accent1"/>
-          </a:fillRef>
-          <a:effectRef idx="0">
-            <a:schemeClr val="accent1"/>
-          </a:effectRef>
-          <a:fontRef idx="minor">
-            <a:schemeClr val="lt1"/>
-          </a:fontRef>
-        </p:style>
-        <p:txBody>
-          <a:bodyPr rtlCol="0" anchor="ctr"/>
-          <a:lstStyle/>
-          <a:p>
-            <a:pPr algn="ctr"/>
-            <a:r>
-              <a:rPr lang="en-US" dirty="0">
-                <a:solidFill>
-                  <a:schemeClr val="bg2">
-                    <a:lumMod val="25000"/>
-                  </a:schemeClr>
-                </a:solidFill>
-              </a:rPr>
-              <a:t>External Focus</a:t>
-            </a:r>
-          </a:p>
-        </p:txBody>
-      </p:sp>
-      <p:sp>
-        <p:nvSpPr>
-          <p:cNvPr id="43" name="Right Triangle 42">
-            <a:extLst>
-              <a:ext uri="{FF2B5EF4-FFF2-40B4-BE49-F238E27FC236}">
-                <a16:creationId xmlns:a16="http://schemas.microsoft.com/office/drawing/2014/main" id="{ECCF2806-012D-7948-BC7F-CEEE823C855D}"/>
-              </a:ext>
-            </a:extLst>
-          </p:cNvPr>
-          <p:cNvSpPr/>
-          <p:nvPr/>
-        </p:nvSpPr>
-        <p:spPr>
-          <a:xfrm rot="10800000">
-            <a:off x="3295530" y="575245"/>
-            <a:ext cx="2504005" cy="417416"/>
-          </a:xfrm>
-          <a:prstGeom prst="rtTriangle">
-            <a:avLst/>
-          </a:prstGeom>
-          <a:solidFill>
-            <a:schemeClr val="bg2">
-              <a:lumMod val="25000"/>
-            </a:schemeClr>
-          </a:solidFill>
-          <a:ln>
-            <a:noFill/>
-          </a:ln>
-        </p:spPr>
-        <p:style>
-          <a:lnRef idx="2">
-            <a:schemeClr val="accent1">
-              <a:shade val="50000"/>
-            </a:schemeClr>
-          </a:lnRef>
-          <a:fillRef idx="1">
-            <a:schemeClr val="accent1"/>
-          </a:fillRef>
-          <a:effectRef idx="0">
-            <a:schemeClr val="accent1"/>
-          </a:effectRef>
-          <a:fontRef idx="minor">
-            <a:schemeClr val="lt1"/>
-          </a:fontRef>
-        </p:style>
-        <p:txBody>
-          <a:bodyPr rtlCol="0" anchor="ctr"/>
-          <a:lstStyle/>
-          <a:p>
-            <a:pPr algn="ctr"/>
-            <a:endParaRPr lang="en-US"/>
-          </a:p>
-        </p:txBody>
-      </p:sp>
-      <p:sp>
-        <p:nvSpPr>
-          <p:cNvPr id="44" name="Rectangle 43">
-            <a:extLst>
-              <a:ext uri="{FF2B5EF4-FFF2-40B4-BE49-F238E27FC236}">
-                <a16:creationId xmlns:a16="http://schemas.microsoft.com/office/drawing/2014/main" id="{23B9E5DA-BF50-A741-AB8F-22651DF80FCD}"/>
-              </a:ext>
-            </a:extLst>
-          </p:cNvPr>
-          <p:cNvSpPr/>
-          <p:nvPr/>
-        </p:nvSpPr>
-        <p:spPr>
-          <a:xfrm>
-            <a:off x="5799535" y="575248"/>
-            <a:ext cx="2786003" cy="417415"/>
-          </a:xfrm>
-          <a:prstGeom prst="rect">
-            <a:avLst/>
-          </a:prstGeom>
-          <a:solidFill>
-            <a:schemeClr val="bg2">
-              <a:lumMod val="25000"/>
-            </a:schemeClr>
-          </a:solidFill>
-          <a:ln>
-            <a:noFill/>
-          </a:ln>
-        </p:spPr>
-        <p:style>
-          <a:lnRef idx="2">
-            <a:schemeClr val="accent1">
-              <a:shade val="50000"/>
-            </a:schemeClr>
-          </a:lnRef>
-          <a:fillRef idx="1">
-            <a:schemeClr val="accent1"/>
-          </a:fillRef>
-          <a:effectRef idx="0">
-            <a:schemeClr val="accent1"/>
-          </a:effectRef>
-          <a:fontRef idx="minor">
-            <a:schemeClr val="lt1"/>
-          </a:fontRef>
-        </p:style>
-        <p:txBody>
-          <a:bodyPr rtlCol="0" anchor="ctr"/>
-          <a:lstStyle/>
-          <a:p>
-            <a:pPr algn="ctr"/>
-            <a:r>
-              <a:rPr lang="en-US" dirty="0">
-                <a:solidFill>
-                  <a:schemeClr val="bg2">
-                    <a:lumMod val="90000"/>
-                  </a:schemeClr>
-                </a:solidFill>
-              </a:rPr>
-              <a:t>Internal Focus</a:t>
-            </a:r>
-          </a:p>
-        </p:txBody>
-      </p:sp>
-    </p:spTree>
-    <p:extLst>
-      <p:ext uri="{BB962C8B-B14F-4D97-AF65-F5344CB8AC3E}">
-        <p14:creationId xmlns:p14="http://schemas.microsoft.com/office/powerpoint/2010/main" val="2493124594"/>
-      </p:ext>
-    </p:extLst>
-  </p:cSld>
-  <p:clrMapOvr>
-    <a:masterClrMapping/>
-  </p:clrMapOvr>
-</p:sld>
-</file>
-
-<file path=ppt/slides/slide3.xml><?xml version="1.0" encoding="utf-8"?>
-<p:sld xmlns:a="http://schemas.openxmlformats.org/drawingml/2006/main" xmlns:r="http://schemas.openxmlformats.org/officeDocument/2006/relationships" xmlns:p="http://schemas.openxmlformats.org/presentationml/2006/main">
-  <p:cSld>
-    <p:spTree>
-      <p:nvGrpSpPr>
-        <p:cNvPr id="1" name=""/>
-        <p:cNvGrpSpPr/>
-        <p:nvPr/>
-      </p:nvGrpSpPr>
-      <p:grpSpPr>
-        <a:xfrm>
-          <a:off x="0" y="0"/>
-          <a:ext cx="0" cy="0"/>
-          <a:chOff x="0" y="0"/>
-          <a:chExt cx="0" cy="0"/>
-        </a:xfrm>
-      </p:grpSpPr>
-      <p:sp>
-        <p:nvSpPr>
           <p:cNvPr id="9" name="Rectangle 8">
             <a:extLst>
               <a:ext uri="{FF2B5EF4-FFF2-40B4-BE49-F238E27FC236}">
@@ -5653,7 +4782,7 @@
 </p:sld>
 </file>
 
-<file path=ppt/slides/slide4.xml><?xml version="1.0" encoding="utf-8"?>
+<file path=ppt/slides/slide3.xml><?xml version="1.0" encoding="utf-8"?>
 <p:sld xmlns:a="http://schemas.openxmlformats.org/drawingml/2006/main" xmlns:r="http://schemas.openxmlformats.org/officeDocument/2006/relationships" xmlns:p="http://schemas.openxmlformats.org/presentationml/2006/main">
   <p:cSld>
     <p:spTree>
@@ -7904,7 +7033,7 @@
 </p:sld>
 </file>
 
-<file path=ppt/slides/slide5.xml><?xml version="1.0" encoding="utf-8"?>
+<file path=ppt/slides/slide4.xml><?xml version="1.0" encoding="utf-8"?>
 <p:sld xmlns:a="http://schemas.openxmlformats.org/drawingml/2006/main" xmlns:r="http://schemas.openxmlformats.org/officeDocument/2006/relationships" xmlns:p="http://schemas.openxmlformats.org/presentationml/2006/main">
   <p:cSld>
     <p:spTree>
@@ -10219,7 +9348,7 @@
 </p:sld>
 </file>
 
-<file path=ppt/slides/slide6.xml><?xml version="1.0" encoding="utf-8"?>
+<file path=ppt/slides/slide5.xml><?xml version="1.0" encoding="utf-8"?>
 <p:sld xmlns:a="http://schemas.openxmlformats.org/drawingml/2006/main" xmlns:r="http://schemas.openxmlformats.org/officeDocument/2006/relationships" xmlns:p="http://schemas.openxmlformats.org/presentationml/2006/main">
   <p:cSld>
     <p:spTree>
